--- a/PZ/Morozov.pptx
+++ b/PZ/Morozov.pptx
@@ -5543,7 +5543,7 @@
           <a:p>
             <a:fld id="{9FB14BBB-647C-4132-992E-C05D224D0D22}" type="datetimeFigureOut">
               <a:rPr lang="en-US" smtClean="0"/>
-              <a:t>5/19/2022</a:t>
+              <a:t>6/23/2022</a:t>
             </a:fld>
             <a:endParaRPr lang="en-US"/>
           </a:p>
@@ -6379,8 +6379,8 @@
         </p:nvSpPr>
         <p:spPr>
           <a:xfrm>
-            <a:off x="4078004" y="3485331"/>
-            <a:ext cx="4032834" cy="1200329"/>
+            <a:off x="3455080" y="3485331"/>
+            <a:ext cx="5278689" cy="1200329"/>
           </a:xfrm>
           <a:prstGeom prst="rect">
             <a:avLst/>
@@ -6465,7 +6465,7 @@
               <a:rPr lang="ru-RU" u="sng" dirty="0">
                 <a:latin typeface="+mj-lt"/>
               </a:rPr>
-              <a:t>Разработка веб-сайта компании </a:t>
+              <a:t>Проектирование и разработка веб-сайта компании </a:t>
             </a:r>
           </a:p>
           <a:p>
@@ -8883,7 +8883,26 @@
                 <a:effectLst/>
                 <a:ea typeface="Times New Roman" panose="02020603050405020304" pitchFamily="18" charset="0"/>
               </a:rPr>
-              <a:t>Цель проекта – разработать веб-сайт компании по недвижимости по продаже квартир, где будет происходить взаимодействие пользователей со всей ассортиментом недвижимости. </a:t>
+              <a:t>Цель проекта – разработать веб-сайт компании по недвижимости по продаже и </a:t>
+            </a:r>
+            <a:r>
+              <a:rPr lang="ru-RU" sz="1600" dirty="0">
+                <a:solidFill>
+                  <a:schemeClr val="bg2"/>
+                </a:solidFill>
+                <a:ea typeface="Times New Roman" panose="02020603050405020304" pitchFamily="18" charset="0"/>
+              </a:rPr>
+              <a:t>аренде </a:t>
+            </a:r>
+            <a:r>
+              <a:rPr lang="ru-RU" sz="1600" dirty="0">
+                <a:solidFill>
+                  <a:schemeClr val="bg2"/>
+                </a:solidFill>
+                <a:effectLst/>
+                <a:ea typeface="Times New Roman" panose="02020603050405020304" pitchFamily="18" charset="0"/>
+              </a:rPr>
+              <a:t>квартир, где будет происходить взаимодействие пользователей со всем ассортиментом недвижимости. </a:t>
             </a:r>
           </a:p>
           <a:p>
@@ -10854,7 +10873,25 @@
                 </a:solidFill>
                 <a:effectLst/>
               </a:rPr>
-              <a:t>Редактор исходного кода </a:t>
+              <a:t>Редактор исходного кода</a:t>
+            </a:r>
+            <a:r>
+              <a:rPr lang="en-US" sz="1600" b="0" i="0" dirty="0">
+                <a:solidFill>
+                  <a:schemeClr val="bg2"/>
+                </a:solidFill>
+                <a:effectLst/>
+              </a:rPr>
+              <a:t> -</a:t>
+            </a:r>
+            <a:r>
+              <a:rPr lang="ru-RU" sz="1600" b="0" i="0" dirty="0">
+                <a:solidFill>
+                  <a:schemeClr val="bg2"/>
+                </a:solidFill>
+                <a:effectLst/>
+              </a:rPr>
+              <a:t> </a:t>
             </a:r>
             <a:r>
               <a:rPr lang="ru-RU" sz="1600" dirty="0" err="1">
@@ -11260,6 +11297,18 @@
                 <a:cs typeface="Helvetica" panose="020B0604020202020204" pitchFamily="34" charset="0"/>
               </a:rPr>
               <a:t>JavaScript</a:t>
+            </a:r>
+            <a:r>
+              <a:rPr lang="ru-RU" sz="1600" dirty="0">
+                <a:cs typeface="Helvetica" panose="020B0604020202020204" pitchFamily="34" charset="0"/>
+              </a:rPr>
+              <a:t>(</a:t>
+            </a:r>
+            <a:r>
+              <a:rPr lang="en-US" sz="1600" dirty="0">
+                <a:cs typeface="Helvetica" panose="020B0604020202020204" pitchFamily="34" charset="0"/>
+              </a:rPr>
+              <a:t>jQuery)</a:t>
             </a:r>
           </a:p>
         </p:txBody>
@@ -13129,14 +13178,16 @@
       </p:sp>
       <p:pic>
         <p:nvPicPr>
-          <p:cNvPr id="7" name="Рисунок 6" descr="Изображение выглядит как текст, внутренний, снимок экрана&#10;&#10;Автоматически созданное описание">
+          <p:cNvPr id="6" name="Рисунок 5">
             <a:extLst>
               <a:ext uri="{FF2B5EF4-FFF2-40B4-BE49-F238E27FC236}">
-                <a16:creationId xmlns:a16="http://schemas.microsoft.com/office/drawing/2014/main" id="{59065DED-E252-481F-8FA6-ADDD1C741F63}"/>
+                <a16:creationId xmlns:a16="http://schemas.microsoft.com/office/drawing/2014/main" id="{7D4807FE-E9C9-40C5-B683-E8A80259BDCB}"/>
               </a:ext>
             </a:extLst>
           </p:cNvPr>
-          <p:cNvPicPr/>
+          <p:cNvPicPr>
+            <a:picLocks noChangeAspect="1"/>
+          </p:cNvPicPr>
           <p:nvPr/>
         </p:nvPicPr>
         <p:blipFill>
@@ -13147,8 +13198,8 @@
         </p:blipFill>
         <p:spPr>
           <a:xfrm>
-            <a:off x="685801" y="1673700"/>
-            <a:ext cx="5077046" cy="2834505"/>
+            <a:off x="65014" y="1425866"/>
+            <a:ext cx="5764286" cy="2847550"/>
           </a:xfrm>
           <a:prstGeom prst="rect">
             <a:avLst/>
@@ -13157,10 +13208,10 @@
       </p:pic>
       <p:pic>
         <p:nvPicPr>
-          <p:cNvPr id="5" name="Рисунок 4">
+          <p:cNvPr id="11" name="Рисунок 10">
             <a:extLst>
               <a:ext uri="{FF2B5EF4-FFF2-40B4-BE49-F238E27FC236}">
-                <a16:creationId xmlns:a16="http://schemas.microsoft.com/office/drawing/2014/main" id="{1D558546-A2D4-4207-9DBA-FB4317DDE1E4}"/>
+                <a16:creationId xmlns:a16="http://schemas.microsoft.com/office/drawing/2014/main" id="{4AD5EE0E-EB4D-40D8-AD9D-0243BC21AA08}"/>
               </a:ext>
             </a:extLst>
           </p:cNvPr>
@@ -13177,8 +13228,8 @@
         </p:blipFill>
         <p:spPr>
           <a:xfrm>
-            <a:off x="6096000" y="3592867"/>
-            <a:ext cx="5799330" cy="2868525"/>
+            <a:off x="5961200" y="3742660"/>
+            <a:ext cx="6165786" cy="3028328"/>
           </a:xfrm>
           <a:prstGeom prst="rect">
             <a:avLst/>
@@ -13393,7 +13444,7 @@
                 <a:ea typeface="Times New Roman" panose="02020603050405020304" pitchFamily="18" charset="0"/>
                 <a:cs typeface="Times New Roman" panose="02020603050405020304" pitchFamily="18" charset="0"/>
               </a:rPr>
-              <a:t>Приятный дизайн сайта</a:t>
+              <a:t>Приятный дизайн сайта.</a:t>
             </a:r>
           </a:p>
           <a:p>
@@ -13443,19 +13494,7 @@
               <a:rPr lang="ru-RU" sz="2000" dirty="0">
                 <a:cs typeface="Helvetica" pitchFamily="34" charset="0"/>
               </a:rPr>
-              <a:t>Разработать фильтр и сортировку для объявлений</a:t>
-            </a:r>
-          </a:p>
-          <a:p>
-            <a:pPr marL="388620" indent="-342900">
-              <a:buFont typeface="Arial" panose="020B0604020202020204" pitchFamily="34" charset="0"/>
-              <a:buChar char="•"/>
-            </a:pPr>
-            <a:r>
-              <a:rPr lang="ru-RU" sz="2000" dirty="0">
-                <a:cs typeface="Helvetica" pitchFamily="34" charset="0"/>
-              </a:rPr>
-              <a:t>Сделать поиск по недвижимости на главной странице</a:t>
+              <a:t>Разработать страницу «Мой профиль» для просмотра, редактирования и удаления своих объявлений.</a:t>
             </a:r>
           </a:p>
         </p:txBody>
